--- a/258_presentation.pptx
+++ b/258_presentation.pptx
@@ -3833,7 +3833,7 @@
         <p:spPr>
           <a:xfrm>
             <a:off x="581608" y="1547624"/>
-            <a:ext cx="11028783" cy="3077766"/>
+            <a:ext cx="11028783" cy="2400657"/>
           </a:xfrm>
           <a:prstGeom prst="rect">
             <a:avLst/>
@@ -3857,7 +3857,7 @@
             </a:r>
             <a:r>
               <a:rPr lang="en-US" sz="4400" dirty="0"/>
-              <a:t>Machine Learning Approach to Exchange Rate Prediction</a:t>
+              <a:t>Exchange Rate Prediction</a:t>
             </a:r>
             <a:endParaRPr lang="en-IN" sz="4400" dirty="0"/>
           </a:p>
